--- a/project.ppt.pptx
+++ b/project.ppt.pptx
@@ -3364,13 +3364,13 @@
           <a:lstStyle/>
           <a:p>
             <a:r>
-              <a:rPr lang="en-US"/>
+              <a:rPr lang="en-US" dirty="0"/>
               <a:t>Demo presentation</a:t>
             </a:r>
             <a:br>
-              <a:rPr lang="en-US"/>
+              <a:rPr lang="en-US" dirty="0"/>
             </a:br>
-            <a:endParaRPr lang="en-IN"/>
+            <a:endParaRPr lang="en-IN" dirty="0"/>
           </a:p>
         </p:txBody>
       </p:sp>
@@ -3395,7 +3395,7 @@
           <a:bodyPr/>
           <a:lstStyle/>
           <a:p>
-            <a:endParaRPr lang="en-IN"/>
+            <a:endParaRPr lang="en-IN" dirty="0"/>
           </a:p>
         </p:txBody>
       </p:sp>
